--- a/HackManVR.pptx
+++ b/HackManVR.pptx
@@ -15,9 +15,8 @@
     <p:sldId id="306" r:id="rId9"/>
     <p:sldId id="307" r:id="rId10"/>
     <p:sldId id="304" r:id="rId11"/>
-    <p:sldId id="298" r:id="rId12"/>
-    <p:sldId id="299" r:id="rId13"/>
-    <p:sldId id="305" r:id="rId14"/>
+    <p:sldId id="299" r:id="rId12"/>
+    <p:sldId id="305" r:id="rId13"/>
   </p:sldIdLst>
   <p:sldSz cx="9144000" cy="5143500" type="screen16x9"/>
   <p:notesSz cx="6858000" cy="9144000"/>
@@ -6302,115 +6301,6 @@
           <p:cNvPr id="4" name="Text Placeholder 3">
             <a:extLst>
               <a:ext uri="{FF2B5EF4-FFF2-40B4-BE49-F238E27FC236}">
-                <a16:creationId xmlns:a16="http://schemas.microsoft.com/office/drawing/2014/main" id="{388B0528-A622-4784-A800-4AB15BE18B0D}"/>
-              </a:ext>
-            </a:extLst>
-          </p:cNvPr>
-          <p:cNvSpPr>
-            <a:spLocks noGrp="1"/>
-          </p:cNvSpPr>
-          <p:nvPr>
-            <p:ph type="body" sz="quarter" idx="10"/>
-          </p:nvPr>
-        </p:nvSpPr>
-        <p:spPr/>
-        <p:txBody>
-          <a:bodyPr/>
-          <a:lstStyle/>
-          <a:p>
-            <a:r>
-              <a:rPr lang="en-US" b="1" dirty="0">
-                <a:latin typeface="Roboto" panose="02000000000000000000" pitchFamily="2" charset="0"/>
-                <a:ea typeface="Roboto" panose="02000000000000000000" pitchFamily="2" charset="0"/>
-              </a:rPr>
-              <a:t>LIVE DEMO</a:t>
-            </a:r>
-          </a:p>
-        </p:txBody>
-      </p:sp>
-      <p:sp>
-        <p:nvSpPr>
-          <p:cNvPr id="5" name="Text Placeholder 4">
-            <a:extLst>
-              <a:ext uri="{FF2B5EF4-FFF2-40B4-BE49-F238E27FC236}">
-                <a16:creationId xmlns:a16="http://schemas.microsoft.com/office/drawing/2014/main" id="{1A666413-ED43-4A4B-A326-BAD29947DA30}"/>
-              </a:ext>
-            </a:extLst>
-          </p:cNvPr>
-          <p:cNvSpPr>
-            <a:spLocks noGrp="1"/>
-          </p:cNvSpPr>
-          <p:nvPr>
-            <p:ph type="body" sz="quarter" idx="11"/>
-          </p:nvPr>
-        </p:nvSpPr>
-        <p:spPr>
-          <a:xfrm>
-            <a:off x="2116108" y="3723878"/>
-            <a:ext cx="4896544" cy="288032"/>
-          </a:xfrm>
-        </p:spPr>
-        <p:txBody>
-          <a:bodyPr/>
-          <a:lstStyle/>
-          <a:p>
-            <a:pPr fontAlgn="base"/>
-            <a:r>
-              <a:rPr lang="en-US" dirty="0">
-                <a:latin typeface="Roboto" panose="02000000000000000000" pitchFamily="2" charset="0"/>
-                <a:ea typeface="Roboto" panose="02000000000000000000" pitchFamily="2" charset="0"/>
-              </a:rPr>
-              <a:t>Now you actually get to see it! </a:t>
-            </a:r>
-            <a:r>
-              <a:rPr lang="iu-Cans-CA" dirty="0">
-                <a:latin typeface="Roboto" panose="02000000000000000000" pitchFamily="2" charset="0"/>
-                <a:ea typeface="Roboto" panose="02000000000000000000" pitchFamily="2" charset="0"/>
-              </a:rPr>
-              <a:t>♪~ ᕕ(ᐛ)ᕗ</a:t>
-            </a:r>
-            <a:endParaRPr lang="en-US" dirty="0"/>
-          </a:p>
-        </p:txBody>
-      </p:sp>
-    </p:spTree>
-    <p:extLst>
-      <p:ext uri="{BB962C8B-B14F-4D97-AF65-F5344CB8AC3E}">
-        <p14:creationId xmlns:p14="http://schemas.microsoft.com/office/powerpoint/2010/main" val="2373983291"/>
-      </p:ext>
-    </p:extLst>
-  </p:cSld>
-  <p:clrMapOvr>
-    <a:masterClrMapping/>
-  </p:clrMapOvr>
-  <p:transition spd="slow">
-    <p:push dir="u"/>
-  </p:transition>
-</p:sld>
-</file>
-
-<file path=ppt/slides/slide11.xml><?xml version="1.0" encoding="utf-8"?>
-<p:sld xmlns:a="http://schemas.openxmlformats.org/drawingml/2006/main" xmlns:r="http://schemas.openxmlformats.org/officeDocument/2006/relationships" xmlns:p="http://schemas.openxmlformats.org/presentationml/2006/main">
-  <p:cSld>
-    <p:spTree>
-      <p:nvGrpSpPr>
-        <p:cNvPr id="1" name=""/>
-        <p:cNvGrpSpPr/>
-        <p:nvPr/>
-      </p:nvGrpSpPr>
-      <p:grpSpPr>
-        <a:xfrm>
-          <a:off x="0" y="0"/>
-          <a:ext cx="0" cy="0"/>
-          <a:chOff x="0" y="0"/>
-          <a:chExt cx="0" cy="0"/>
-        </a:xfrm>
-      </p:grpSpPr>
-      <p:sp>
-        <p:nvSpPr>
-          <p:cNvPr id="4" name="Text Placeholder 3">
-            <a:extLst>
-              <a:ext uri="{FF2B5EF4-FFF2-40B4-BE49-F238E27FC236}">
                 <a16:creationId xmlns:a16="http://schemas.microsoft.com/office/drawing/2014/main" id="{6D8A57EF-18D6-46E9-A01A-9C33EBBB875F}"/>
               </a:ext>
             </a:extLst>
@@ -14051,7 +13941,7 @@
           <p:cNvPr id="4" name="Text Placeholder 3">
             <a:extLst>
               <a:ext uri="{FF2B5EF4-FFF2-40B4-BE49-F238E27FC236}">
-                <a16:creationId xmlns:a16="http://schemas.microsoft.com/office/drawing/2014/main" id="{888DE3C2-1C37-47BD-976B-E9A0899380F0}"/>
+                <a16:creationId xmlns:a16="http://schemas.microsoft.com/office/drawing/2014/main" id="{388B0528-A622-4784-A800-4AB15BE18B0D}"/>
               </a:ext>
             </a:extLst>
           </p:cNvPr>
@@ -14072,7 +13962,7 @@
                 <a:latin typeface="Roboto" panose="02000000000000000000" pitchFamily="2" charset="0"/>
                 <a:ea typeface="Roboto" panose="02000000000000000000" pitchFamily="2" charset="0"/>
               </a:rPr>
-              <a:t>WANNA GIVE IT A SHOT?</a:t>
+              <a:t>LIVE DEMO</a:t>
             </a:r>
           </a:p>
         </p:txBody>
@@ -14082,7 +13972,7 @@
           <p:cNvPr id="5" name="Text Placeholder 4">
             <a:extLst>
               <a:ext uri="{FF2B5EF4-FFF2-40B4-BE49-F238E27FC236}">
-                <a16:creationId xmlns:a16="http://schemas.microsoft.com/office/drawing/2014/main" id="{BC696275-4939-4317-96C5-1B2AD2997E6E}"/>
+                <a16:creationId xmlns:a16="http://schemas.microsoft.com/office/drawing/2014/main" id="{1A666413-ED43-4A4B-A326-BAD29947DA30}"/>
               </a:ext>
             </a:extLst>
           </p:cNvPr>
@@ -14093,25 +13983,39 @@
             <p:ph type="body" sz="quarter" idx="11"/>
           </p:nvPr>
         </p:nvSpPr>
-        <p:spPr/>
+        <p:spPr>
+          <a:xfrm>
+            <a:off x="2116108" y="3723878"/>
+            <a:ext cx="4896544" cy="288032"/>
+          </a:xfrm>
+        </p:spPr>
         <p:txBody>
           <a:bodyPr/>
           <a:lstStyle/>
           <a:p>
+            <a:pPr fontAlgn="base"/>
             <a:r>
               <a:rPr lang="en-US" dirty="0">
                 <a:latin typeface="Roboto" panose="02000000000000000000" pitchFamily="2" charset="0"/>
                 <a:ea typeface="Roboto" panose="02000000000000000000" pitchFamily="2" charset="0"/>
               </a:rPr>
-              <a:t>Got the stuff? Scan the QR code below:</a:t>
+              <a:t>Now you actually get to see it! </a:t>
             </a:r>
+            <a:r>
+              <a:rPr lang="iu-Cans-CA" dirty="0">
+                <a:latin typeface="Roboto" panose="02000000000000000000" pitchFamily="2" charset="0"/>
+                <a:ea typeface="Roboto" panose="02000000000000000000" pitchFamily="2" charset="0"/>
+              </a:rPr>
+              <a:t>♪~ ᕕ(ᐛ)ᕗ</a:t>
+            </a:r>
+            <a:endParaRPr lang="en-US" dirty="0"/>
           </a:p>
         </p:txBody>
       </p:sp>
     </p:spTree>
     <p:extLst>
       <p:ext uri="{BB962C8B-B14F-4D97-AF65-F5344CB8AC3E}">
-        <p14:creationId xmlns:p14="http://schemas.microsoft.com/office/powerpoint/2010/main" val="2714729703"/>
+        <p14:creationId xmlns:p14="http://schemas.microsoft.com/office/powerpoint/2010/main" val="2373983291"/>
       </p:ext>
     </p:extLst>
   </p:cSld>
